--- a/Axure_conversation_captures.pptx
+++ b/Axure_conversation_captures.pptx
@@ -2984,7 +2984,7 @@
         <p:spPr>
           <a:xfrm>
             <a:off x="9519285" y="2605405"/>
-            <a:ext cx="2240280" cy="645160"/>
+            <a:ext cx="2468880" cy="1198880"/>
           </a:xfrm>
           <a:prstGeom prst="rect">
             <a:avLst/>
@@ -2996,16 +2996,34 @@
             <a:spAutoFit/>
           </a:bodyPr>
           <a:p>
+            <a:pPr algn="l"/>
             <a:r>
               <a:rPr lang="zh-CN" altLang="en-US"/>
-              <a:t>可点击查看对话按钮</a:t>
+              <a:t>可上下拖动当前页面。</a:t>
             </a:r>
             <a:endParaRPr lang="zh-CN" altLang="en-US"/>
           </a:p>
           <a:p>
-            <a:r>
-              <a:rPr lang="zh-CN" altLang="en-US"/>
-              <a:t>可上下拖动</a:t>
+            <a:pPr algn="l"/>
+            <a:endParaRPr lang="zh-CN" altLang="en-US"/>
+          </a:p>
+          <a:p>
+            <a:pPr algn="l"/>
+            <a:r>
+              <a:rPr lang="zh-CN" altLang="en-US">
+                <a:sym typeface="+mn-ea"/>
+              </a:rPr>
+              <a:t>可点击查看对话按钮，</a:t>
+            </a:r>
+            <a:endParaRPr lang="zh-CN" altLang="en-US"/>
+          </a:p>
+          <a:p>
+            <a:pPr algn="l"/>
+            <a:r>
+              <a:rPr lang="zh-CN" altLang="en-US">
+                <a:sym typeface="+mn-ea"/>
+              </a:rPr>
+              <a:t>跳转至新页面。</a:t>
             </a:r>
             <a:endParaRPr lang="zh-CN" altLang="en-US"/>
           </a:p>
@@ -3082,7 +3100,7 @@
         <p:spPr>
           <a:xfrm>
             <a:off x="9519285" y="2605405"/>
-            <a:ext cx="2468880" cy="645160"/>
+            <a:ext cx="2697480" cy="1198880"/>
           </a:xfrm>
           <a:prstGeom prst="rect">
             <a:avLst/>
@@ -3094,18 +3112,40 @@
             <a:spAutoFit/>
           </a:bodyPr>
           <a:p>
+            <a:pPr algn="l"/>
             <a:r>
               <a:rPr lang="zh-CN" altLang="en-US"/>
-              <a:t>可点击左上角返回按钮</a:t>
+              <a:t>可上下拖动当前页面。</a:t>
             </a:r>
             <a:endParaRPr lang="zh-CN" altLang="en-US"/>
           </a:p>
           <a:p>
-            <a:r>
-              <a:rPr lang="zh-CN" altLang="en-US"/>
-              <a:t>可上下拖动</a:t>
-            </a:r>
+            <a:pPr algn="l"/>
             <a:endParaRPr lang="zh-CN" altLang="en-US"/>
+          </a:p>
+          <a:p>
+            <a:pPr algn="l"/>
+            <a:r>
+              <a:rPr lang="zh-CN" altLang="en-US">
+                <a:sym typeface="+mn-ea"/>
+              </a:rPr>
+              <a:t>可点击左上角返回按钮，</a:t>
+            </a:r>
+            <a:endParaRPr lang="zh-CN" altLang="en-US">
+              <a:sym typeface="+mn-ea"/>
+            </a:endParaRPr>
+          </a:p>
+          <a:p>
+            <a:pPr algn="l"/>
+            <a:r>
+              <a:rPr lang="zh-CN" altLang="en-US">
+                <a:sym typeface="+mn-ea"/>
+              </a:rPr>
+              <a:t>返回至原评论圈。</a:t>
+            </a:r>
+            <a:endParaRPr lang="zh-CN" altLang="en-US">
+              <a:sym typeface="+mn-ea"/>
+            </a:endParaRPr>
           </a:p>
         </p:txBody>
       </p:sp>
